--- a/Midterm Deck.pptx
+++ b/Midterm Deck.pptx
@@ -12,11 +12,11 @@
     <p:sldId id="257" r:id="rId3"/>
     <p:sldId id="258" r:id="rId4"/>
     <p:sldId id="259" r:id="rId5"/>
-    <p:sldId id="260" r:id="rId6"/>
-    <p:sldId id="261" r:id="rId7"/>
-    <p:sldId id="262" r:id="rId8"/>
-    <p:sldId id="263" r:id="rId9"/>
-    <p:sldId id="264" r:id="rId10"/>
+    <p:sldId id="264" r:id="rId6"/>
+    <p:sldId id="260" r:id="rId7"/>
+    <p:sldId id="261" r:id="rId8"/>
+    <p:sldId id="262" r:id="rId9"/>
+    <p:sldId id="263" r:id="rId10"/>
   </p:sldIdLst>
   <p:sldSz cx="12192000" cy="6858000"/>
   <p:notesSz cx="6858000" cy="9144000"/>
@@ -115,15 +115,28 @@
       </a:defRPr>
     </a:lvl9pPr>
   </p:defaultTextStyle>
+  <p:extLst>
+    <p:ext uri="{EFAFB233-063F-42B5-8137-9DF3F51BA10A}">
+      <p15:sldGuideLst xmlns:p15="http://schemas.microsoft.com/office/powerpoint/2012/main"/>
+    </p:ext>
+  </p:extLst>
 </p:presentation>
+</file>
+
+<file path=ppt/revisionInfo.xml><?xml version="1.0" encoding="utf-8"?>
+<p1510:revInfo xmlns:a="http://schemas.openxmlformats.org/drawingml/2006/main" xmlns:r="http://schemas.openxmlformats.org/officeDocument/2006/relationships" xmlns:p1510="http://schemas.microsoft.com/office/powerpoint/2015/10/main">
+  <p1510:revLst>
+    <p1510:client id="{A2320D5E-C391-4B1E-B867-FE72DBBA7453}" v="1" dt="2025-03-31T23:09:41.154"/>
+  </p1510:revLst>
+</p1510:revInfo>
 </file>
 
 <file path=ppt/changesInfos/changesInfo1.xml><?xml version="1.0" encoding="utf-8"?>
 <pc:chgInfo xmlns:a="http://schemas.openxmlformats.org/drawingml/2006/main" xmlns:r="http://schemas.openxmlformats.org/officeDocument/2006/relationships" xmlns:ac="http://schemas.microsoft.com/office/drawing/2013/main/command" xmlns:pc="http://schemas.microsoft.com/office/powerpoint/2013/main/command">
   <pc:docChgLst>
     <pc:chgData name="Moira O'Reilly (She/Her)" userId="c311b702-aaee-4b4a-9ca5-715680928bd5" providerId="ADAL" clId="{A2320D5E-C391-4B1E-B867-FE72DBBA7453}"/>
-    <pc:docChg chg="undo redo custSel addSld modSld addMainMaster delMainMaster">
-      <pc:chgData name="Moira O'Reilly (She/Her)" userId="c311b702-aaee-4b4a-9ca5-715680928bd5" providerId="ADAL" clId="{A2320D5E-C391-4B1E-B867-FE72DBBA7453}" dt="2025-03-31T03:02:07.838" v="2308" actId="1076"/>
+    <pc:docChg chg="undo redo custSel addSld modSld sldOrd addMainMaster delMainMaster">
+      <pc:chgData name="Moira O'Reilly (She/Her)" userId="c311b702-aaee-4b4a-9ca5-715680928bd5" providerId="ADAL" clId="{A2320D5E-C391-4B1E-B867-FE72DBBA7453}" dt="2025-03-31T23:09:45.030" v="2311"/>
       <pc:docMkLst>
         <pc:docMk/>
       </pc:docMkLst>
@@ -229,7 +242,7 @@
         </pc:spChg>
       </pc:sldChg>
       <pc:sldChg chg="modSp new mod">
-        <pc:chgData name="Moira O'Reilly (She/Her)" userId="c311b702-aaee-4b4a-9ca5-715680928bd5" providerId="ADAL" clId="{A2320D5E-C391-4B1E-B867-FE72DBBA7453}" dt="2025-03-31T02:55:26.559" v="1974" actId="20577"/>
+        <pc:chgData name="Moira O'Reilly (She/Her)" userId="c311b702-aaee-4b4a-9ca5-715680928bd5" providerId="ADAL" clId="{A2320D5E-C391-4B1E-B867-FE72DBBA7453}" dt="2025-03-31T23:09:41.152" v="2309" actId="20578"/>
         <pc:sldMkLst>
           <pc:docMk/>
           <pc:sldMk cId="2693348538" sldId="259"/>
@@ -243,7 +256,7 @@
           </ac:spMkLst>
         </pc:spChg>
         <pc:spChg chg="mod">
-          <ac:chgData name="Moira O'Reilly (She/Her)" userId="c311b702-aaee-4b4a-9ca5-715680928bd5" providerId="ADAL" clId="{A2320D5E-C391-4B1E-B867-FE72DBBA7453}" dt="2025-03-31T02:55:26.559" v="1974" actId="20577"/>
+          <ac:chgData name="Moira O'Reilly (She/Her)" userId="c311b702-aaee-4b4a-9ca5-715680928bd5" providerId="ADAL" clId="{A2320D5E-C391-4B1E-B867-FE72DBBA7453}" dt="2025-03-31T23:09:41.152" v="2309" actId="20578"/>
           <ac:spMkLst>
             <pc:docMk/>
             <pc:sldMk cId="2693348538" sldId="259"/>
@@ -391,8 +404,8 @@
           </ac:picMkLst>
         </pc:picChg>
       </pc:sldChg>
-      <pc:sldChg chg="addSp modSp new mod">
-        <pc:chgData name="Moira O'Reilly (She/Her)" userId="c311b702-aaee-4b4a-9ca5-715680928bd5" providerId="ADAL" clId="{A2320D5E-C391-4B1E-B867-FE72DBBA7453}" dt="2025-03-31T02:56:29.791" v="2058" actId="1076"/>
+      <pc:sldChg chg="addSp modSp new mod ord">
+        <pc:chgData name="Moira O'Reilly (She/Her)" userId="c311b702-aaee-4b4a-9ca5-715680928bd5" providerId="ADAL" clId="{A2320D5E-C391-4B1E-B867-FE72DBBA7453}" dt="2025-03-31T23:09:45.030" v="2311"/>
         <pc:sldMkLst>
           <pc:docMk/>
           <pc:sldMk cId="2624183478" sldId="264"/>
@@ -699,7 +712,7 @@
           <a:p>
             <a:fld id="{1B469F64-D4A5-47DA-8C4C-28CAC986CA0A}" type="datetimeFigureOut">
               <a:rPr lang="en-US" smtClean="0"/>
-              <a:t>3/25/2025</a:t>
+              <a:t>3/31/2025</a:t>
             </a:fld>
             <a:endParaRPr lang="en-US"/>
           </a:p>
@@ -1225,7 +1238,7 @@
           <a:p>
             <a:fld id="{C43A76A3-ADC8-4477-8FC1-B9DD55D84908}" type="datetime1">
               <a:rPr lang="en-US" smtClean="0"/>
-              <a:t>3/25/2025</a:t>
+              <a:t>3/31/2025</a:t>
             </a:fld>
             <a:endParaRPr lang="en-US" dirty="0"/>
           </a:p>
@@ -1423,7 +1436,7 @@
           <a:p>
             <a:fld id="{D6762538-DC4D-4667-96E5-B3278DDF8B12}" type="datetime1">
               <a:rPr lang="en-US" smtClean="0"/>
-              <a:t>3/25/2025</a:t>
+              <a:t>3/31/2025</a:t>
             </a:fld>
             <a:endParaRPr lang="en-US"/>
           </a:p>
@@ -1631,7 +1644,7 @@
           <a:p>
             <a:fld id="{05880548-5C08-4BE3-B63E-F2BB63B0B00C}" type="datetime1">
               <a:rPr lang="en-US" smtClean="0"/>
-              <a:t>3/25/2025</a:t>
+              <a:t>3/31/2025</a:t>
             </a:fld>
             <a:endParaRPr lang="en-US"/>
           </a:p>
@@ -1829,7 +1842,7 @@
           <a:p>
             <a:fld id="{DE7F49BE-398D-479A-8A7E-5DDBCA61EDCB}" type="datetime1">
               <a:rPr lang="en-US" smtClean="0"/>
-              <a:t>3/25/2025</a:t>
+              <a:t>3/31/2025</a:t>
             </a:fld>
             <a:endParaRPr lang="en-US"/>
           </a:p>
@@ -2105,7 +2118,7 @@
           <a:p>
             <a:fld id="{CCD0C193-4974-4A1F-9C63-07D595E30D66}" type="datetime1">
               <a:rPr lang="en-US" smtClean="0"/>
-              <a:t>3/25/2025</a:t>
+              <a:t>3/31/2025</a:t>
             </a:fld>
             <a:endParaRPr lang="en-US"/>
           </a:p>
@@ -2372,7 +2385,7 @@
           <a:p>
             <a:fld id="{701AA87F-28D4-4BF0-B81F-877A89DFD5AC}" type="datetime1">
               <a:rPr lang="en-US" smtClean="0"/>
-              <a:t>3/25/2025</a:t>
+              <a:t>3/31/2025</a:t>
             </a:fld>
             <a:endParaRPr lang="en-US"/>
           </a:p>
@@ -2786,7 +2799,7 @@
           <a:p>
             <a:fld id="{A8A9F1F3-208B-49A3-B337-9C8ACEB3E0E1}" type="datetime1">
               <a:rPr lang="en-US" smtClean="0"/>
-              <a:t>3/25/2025</a:t>
+              <a:t>3/31/2025</a:t>
             </a:fld>
             <a:endParaRPr lang="en-US"/>
           </a:p>
@@ -2933,7 +2946,7 @@
           <a:p>
             <a:fld id="{27AF6CA6-7293-4AA2-A0E0-A3BF4416E786}" type="datetime1">
               <a:rPr lang="en-US" smtClean="0"/>
-              <a:t>3/25/2025</a:t>
+              <a:t>3/31/2025</a:t>
             </a:fld>
             <a:endParaRPr lang="en-US"/>
           </a:p>
@@ -3046,7 +3059,7 @@
           <a:p>
             <a:fld id="{98D87016-7BCD-46FB-8EE3-AB6C369108B4}" type="datetime1">
               <a:rPr lang="en-US" smtClean="0"/>
-              <a:t>3/25/2025</a:t>
+              <a:t>3/31/2025</a:t>
             </a:fld>
             <a:endParaRPr lang="en-US"/>
           </a:p>
@@ -3365,7 +3378,7 @@
           <a:p>
             <a:fld id="{A1547011-1FFC-4EF8-9A2E-53B4AD2ADBD4}" type="datetime1">
               <a:rPr lang="en-US" smtClean="0"/>
-              <a:t>3/25/2025</a:t>
+              <a:t>3/31/2025</a:t>
             </a:fld>
             <a:endParaRPr lang="en-US"/>
           </a:p>
@@ -3660,7 +3673,7 @@
           <a:p>
             <a:fld id="{9562EB47-45B4-4EF5-A743-B4885DD2F060}" type="datetime1">
               <a:rPr lang="en-US" smtClean="0"/>
-              <a:t>3/25/2025</a:t>
+              <a:t>3/31/2025</a:t>
             </a:fld>
             <a:endParaRPr lang="en-US"/>
           </a:p>
@@ -5045,7 +5058,7 @@
           <a:p>
             <a:fld id="{4A8D24A4-5FEC-4062-8995-EB21925B3B40}" type="datetime1">
               <a:rPr lang="en-US" smtClean="0"/>
-              <a:t>3/25/2025</a:t>
+              <a:t>3/31/2025</a:t>
             </a:fld>
             <a:endParaRPr lang="en-US" sz="1000" dirty="0"/>
           </a:p>
@@ -6694,6 +6707,12 @@
           <a:p>
             <a:r>
               <a:rPr lang="en-US" sz="2800" dirty="0"/>
+              <a:t>Datasets</a:t>
+            </a:r>
+          </a:p>
+          <a:p>
+            <a:r>
+              <a:rPr lang="en-US" sz="2800" dirty="0"/>
               <a:t>Classification</a:t>
             </a:r>
           </a:p>
@@ -6719,12 +6738,6 @@
             <a:r>
               <a:rPr lang="en-US" sz="2800" dirty="0"/>
               <a:t>Anomaly Detection</a:t>
-            </a:r>
-          </a:p>
-          <a:p>
-            <a:r>
-              <a:rPr lang="en-US" sz="2800" dirty="0"/>
-              <a:t>Datasets</a:t>
             </a:r>
           </a:p>
         </p:txBody>
@@ -6743,6 +6756,133 @@
 </file>
 
 <file path=ppt/slides/slide5.xml><?xml version="1.0" encoding="utf-8"?>
+<p:sld xmlns:a="http://schemas.openxmlformats.org/drawingml/2006/main" xmlns:r="http://schemas.openxmlformats.org/officeDocument/2006/relationships" xmlns:p="http://schemas.openxmlformats.org/presentationml/2006/main">
+  <p:cSld>
+    <p:spTree>
+      <p:nvGrpSpPr>
+        <p:cNvPr id="1" name=""/>
+        <p:cNvGrpSpPr/>
+        <p:nvPr/>
+      </p:nvGrpSpPr>
+      <p:grpSpPr>
+        <a:xfrm>
+          <a:off x="0" y="0"/>
+          <a:ext cx="0" cy="0"/>
+          <a:chOff x="0" y="0"/>
+          <a:chExt cx="0" cy="0"/>
+        </a:xfrm>
+      </p:grpSpPr>
+      <p:sp>
+        <p:nvSpPr>
+          <p:cNvPr id="2" name="Title 1">
+            <a:extLst>
+              <a:ext uri="{FF2B5EF4-FFF2-40B4-BE49-F238E27FC236}">
+                <a16:creationId xmlns:a16="http://schemas.microsoft.com/office/drawing/2014/main" id="{60DBCC4E-9001-2630-CE8A-19CD75F18DAD}"/>
+              </a:ext>
+            </a:extLst>
+          </p:cNvPr>
+          <p:cNvSpPr>
+            <a:spLocks noGrp="1"/>
+          </p:cNvSpPr>
+          <p:nvPr>
+            <p:ph type="title"/>
+          </p:nvPr>
+        </p:nvSpPr>
+        <p:spPr/>
+        <p:txBody>
+          <a:bodyPr/>
+          <a:lstStyle/>
+          <a:p>
+            <a:r>
+              <a:rPr lang="en-US" dirty="0"/>
+              <a:t>Datasets</a:t>
+            </a:r>
+          </a:p>
+        </p:txBody>
+      </p:sp>
+      <p:sp>
+        <p:nvSpPr>
+          <p:cNvPr id="3" name="Content Placeholder 2">
+            <a:extLst>
+              <a:ext uri="{FF2B5EF4-FFF2-40B4-BE49-F238E27FC236}">
+                <a16:creationId xmlns:a16="http://schemas.microsoft.com/office/drawing/2014/main" id="{21066780-9335-7589-E663-688D2B339AE0}"/>
+              </a:ext>
+            </a:extLst>
+          </p:cNvPr>
+          <p:cNvSpPr>
+            <a:spLocks noGrp="1"/>
+          </p:cNvSpPr>
+          <p:nvPr>
+            <p:ph idx="1"/>
+          </p:nvPr>
+        </p:nvSpPr>
+        <p:spPr/>
+        <p:txBody>
+          <a:bodyPr>
+            <a:normAutofit/>
+          </a:bodyPr>
+          <a:lstStyle/>
+          <a:p>
+            <a:r>
+              <a:rPr lang="en-US" sz="2800" dirty="0"/>
+              <a:t>Simple function to load datasets that can be used with the other modules</a:t>
+            </a:r>
+          </a:p>
+          <a:p>
+            <a:endParaRPr lang="en-US" sz="2800" dirty="0"/>
+          </a:p>
+          <a:p>
+            <a:pPr marL="0" indent="0">
+              <a:buNone/>
+            </a:pPr>
+            <a:endParaRPr lang="en-US" sz="2800" dirty="0"/>
+          </a:p>
+        </p:txBody>
+      </p:sp>
+      <p:pic>
+        <p:nvPicPr>
+          <p:cNvPr id="5" name="Picture 4">
+            <a:extLst>
+              <a:ext uri="{FF2B5EF4-FFF2-40B4-BE49-F238E27FC236}">
+                <a16:creationId xmlns:a16="http://schemas.microsoft.com/office/drawing/2014/main" id="{960B25C5-7D7D-5F06-3091-38307331B648}"/>
+              </a:ext>
+            </a:extLst>
+          </p:cNvPr>
+          <p:cNvPicPr>
+            <a:picLocks noChangeAspect="1"/>
+          </p:cNvPicPr>
+          <p:nvPr/>
+        </p:nvPicPr>
+        <p:blipFill>
+          <a:blip r:embed="rId2"/>
+          <a:stretch>
+            <a:fillRect/>
+          </a:stretch>
+        </p:blipFill>
+        <p:spPr>
+          <a:xfrm>
+            <a:off x="2837665" y="3429000"/>
+            <a:ext cx="6516669" cy="1290212"/>
+          </a:xfrm>
+          <a:prstGeom prst="rect">
+            <a:avLst/>
+          </a:prstGeom>
+        </p:spPr>
+      </p:pic>
+    </p:spTree>
+    <p:extLst>
+      <p:ext uri="{BB962C8B-B14F-4D97-AF65-F5344CB8AC3E}">
+        <p14:creationId xmlns:p14="http://schemas.microsoft.com/office/powerpoint/2010/main" val="2624183478"/>
+      </p:ext>
+    </p:extLst>
+  </p:cSld>
+  <p:clrMapOvr>
+    <a:masterClrMapping/>
+  </p:clrMapOvr>
+</p:sld>
+</file>
+
+<file path=ppt/slides/slide6.xml><?xml version="1.0" encoding="utf-8"?>
 <p:sld xmlns:a="http://schemas.openxmlformats.org/drawingml/2006/main" xmlns:r="http://schemas.openxmlformats.org/officeDocument/2006/relationships" xmlns:p="http://schemas.openxmlformats.org/presentationml/2006/main">
   <p:cSld>
     <p:spTree>
@@ -6915,7 +7055,7 @@
 </p:sld>
 </file>
 
-<file path=ppt/slides/slide6.xml><?xml version="1.0" encoding="utf-8"?>
+<file path=ppt/slides/slide7.xml><?xml version="1.0" encoding="utf-8"?>
 <p:sld xmlns:a="http://schemas.openxmlformats.org/drawingml/2006/main" xmlns:r="http://schemas.openxmlformats.org/officeDocument/2006/relationships" xmlns:p="http://schemas.openxmlformats.org/presentationml/2006/main">
   <p:cSld>
     <p:spTree>
@@ -7135,7 +7275,7 @@
 </p:sld>
 </file>
 
-<file path=ppt/slides/slide7.xml><?xml version="1.0" encoding="utf-8"?>
+<file path=ppt/slides/slide8.xml><?xml version="1.0" encoding="utf-8"?>
 <p:sld xmlns:a="http://schemas.openxmlformats.org/drawingml/2006/main" xmlns:r="http://schemas.openxmlformats.org/officeDocument/2006/relationships" xmlns:p="http://schemas.openxmlformats.org/presentationml/2006/main">
   <p:cSld>
     <p:spTree>
@@ -7358,7 +7498,7 @@
 </p:sld>
 </file>
 
-<file path=ppt/slides/slide8.xml><?xml version="1.0" encoding="utf-8"?>
+<file path=ppt/slides/slide9.xml><?xml version="1.0" encoding="utf-8"?>
 <p:sld xmlns:a="http://schemas.openxmlformats.org/drawingml/2006/main" xmlns:r="http://schemas.openxmlformats.org/officeDocument/2006/relationships" xmlns:p="http://schemas.openxmlformats.org/presentationml/2006/main">
   <p:cSld>
     <p:spTree>
@@ -7552,133 +7692,6 @@
     <p:extLst>
       <p:ext uri="{BB962C8B-B14F-4D97-AF65-F5344CB8AC3E}">
         <p14:creationId xmlns:p14="http://schemas.microsoft.com/office/powerpoint/2010/main" val="3197026175"/>
-      </p:ext>
-    </p:extLst>
-  </p:cSld>
-  <p:clrMapOvr>
-    <a:masterClrMapping/>
-  </p:clrMapOvr>
-</p:sld>
-</file>
-
-<file path=ppt/slides/slide9.xml><?xml version="1.0" encoding="utf-8"?>
-<p:sld xmlns:a="http://schemas.openxmlformats.org/drawingml/2006/main" xmlns:r="http://schemas.openxmlformats.org/officeDocument/2006/relationships" xmlns:p="http://schemas.openxmlformats.org/presentationml/2006/main">
-  <p:cSld>
-    <p:spTree>
-      <p:nvGrpSpPr>
-        <p:cNvPr id="1" name=""/>
-        <p:cNvGrpSpPr/>
-        <p:nvPr/>
-      </p:nvGrpSpPr>
-      <p:grpSpPr>
-        <a:xfrm>
-          <a:off x="0" y="0"/>
-          <a:ext cx="0" cy="0"/>
-          <a:chOff x="0" y="0"/>
-          <a:chExt cx="0" cy="0"/>
-        </a:xfrm>
-      </p:grpSpPr>
-      <p:sp>
-        <p:nvSpPr>
-          <p:cNvPr id="2" name="Title 1">
-            <a:extLst>
-              <a:ext uri="{FF2B5EF4-FFF2-40B4-BE49-F238E27FC236}">
-                <a16:creationId xmlns:a16="http://schemas.microsoft.com/office/drawing/2014/main" id="{60DBCC4E-9001-2630-CE8A-19CD75F18DAD}"/>
-              </a:ext>
-            </a:extLst>
-          </p:cNvPr>
-          <p:cNvSpPr>
-            <a:spLocks noGrp="1"/>
-          </p:cNvSpPr>
-          <p:nvPr>
-            <p:ph type="title"/>
-          </p:nvPr>
-        </p:nvSpPr>
-        <p:spPr/>
-        <p:txBody>
-          <a:bodyPr/>
-          <a:lstStyle/>
-          <a:p>
-            <a:r>
-              <a:rPr lang="en-US" dirty="0"/>
-              <a:t>Datasets</a:t>
-            </a:r>
-          </a:p>
-        </p:txBody>
-      </p:sp>
-      <p:sp>
-        <p:nvSpPr>
-          <p:cNvPr id="3" name="Content Placeholder 2">
-            <a:extLst>
-              <a:ext uri="{FF2B5EF4-FFF2-40B4-BE49-F238E27FC236}">
-                <a16:creationId xmlns:a16="http://schemas.microsoft.com/office/drawing/2014/main" id="{21066780-9335-7589-E663-688D2B339AE0}"/>
-              </a:ext>
-            </a:extLst>
-          </p:cNvPr>
-          <p:cNvSpPr>
-            <a:spLocks noGrp="1"/>
-          </p:cNvSpPr>
-          <p:nvPr>
-            <p:ph idx="1"/>
-          </p:nvPr>
-        </p:nvSpPr>
-        <p:spPr/>
-        <p:txBody>
-          <a:bodyPr>
-            <a:normAutofit/>
-          </a:bodyPr>
-          <a:lstStyle/>
-          <a:p>
-            <a:r>
-              <a:rPr lang="en-US" sz="2800" dirty="0"/>
-              <a:t>Simple function to load datasets that can be used with the other modules</a:t>
-            </a:r>
-          </a:p>
-          <a:p>
-            <a:endParaRPr lang="en-US" sz="2800" dirty="0"/>
-          </a:p>
-          <a:p>
-            <a:pPr marL="0" indent="0">
-              <a:buNone/>
-            </a:pPr>
-            <a:endParaRPr lang="en-US" sz="2800" dirty="0"/>
-          </a:p>
-        </p:txBody>
-      </p:sp>
-      <p:pic>
-        <p:nvPicPr>
-          <p:cNvPr id="5" name="Picture 4">
-            <a:extLst>
-              <a:ext uri="{FF2B5EF4-FFF2-40B4-BE49-F238E27FC236}">
-                <a16:creationId xmlns:a16="http://schemas.microsoft.com/office/drawing/2014/main" id="{960B25C5-7D7D-5F06-3091-38307331B648}"/>
-              </a:ext>
-            </a:extLst>
-          </p:cNvPr>
-          <p:cNvPicPr>
-            <a:picLocks noChangeAspect="1"/>
-          </p:cNvPicPr>
-          <p:nvPr/>
-        </p:nvPicPr>
-        <p:blipFill>
-          <a:blip r:embed="rId2"/>
-          <a:stretch>
-            <a:fillRect/>
-          </a:stretch>
-        </p:blipFill>
-        <p:spPr>
-          <a:xfrm>
-            <a:off x="2837665" y="3429000"/>
-            <a:ext cx="6516669" cy="1290212"/>
-          </a:xfrm>
-          <a:prstGeom prst="rect">
-            <a:avLst/>
-          </a:prstGeom>
-        </p:spPr>
-      </p:pic>
-    </p:spTree>
-    <p:extLst>
-      <p:ext uri="{BB962C8B-B14F-4D97-AF65-F5344CB8AC3E}">
-        <p14:creationId xmlns:p14="http://schemas.microsoft.com/office/powerpoint/2010/main" val="2624183478"/>
       </p:ext>
     </p:extLst>
   </p:cSld>
